--- a/hw-paper/GraphQL.pptx
+++ b/hw-paper/GraphQL.pptx
@@ -9,13 +9,14 @@
   </p:notesMasterIdLst>
   <p:sldIdLst>
     <p:sldId id="256" r:id="rId3"/>
-    <p:sldId id="260" r:id="rId5"/>
-    <p:sldId id="257" r:id="rId6"/>
-    <p:sldId id="266" r:id="rId7"/>
-    <p:sldId id="267" r:id="rId8"/>
-    <p:sldId id="263" r:id="rId9"/>
-    <p:sldId id="262" r:id="rId10"/>
-    <p:sldId id="270" r:id="rId11"/>
+    <p:sldId id="271" r:id="rId5"/>
+    <p:sldId id="260" r:id="rId6"/>
+    <p:sldId id="257" r:id="rId7"/>
+    <p:sldId id="266" r:id="rId8"/>
+    <p:sldId id="267" r:id="rId9"/>
+    <p:sldId id="263" r:id="rId10"/>
+    <p:sldId id="262" r:id="rId11"/>
+    <p:sldId id="270" r:id="rId12"/>
   </p:sldIdLst>
   <p:sldSz cx="12192000" cy="6858000"/>
   <p:notesSz cx="7103745" cy="10234295"/>
@@ -3198,6 +3199,123 @@
   <p:cSld>
     <p:bg>
       <p:bgPr>
+        <a:gradFill>
+          <a:gsLst>
+            <a:gs pos="0">
+              <a:srgbClr val="012D86"/>
+            </a:gs>
+            <a:gs pos="100000">
+              <a:srgbClr val="0E2557"/>
+            </a:gs>
+          </a:gsLst>
+          <a:lin ang="5400000" scaled="0"/>
+        </a:gradFill>
+        <a:effectLst/>
+      </p:bgPr>
+    </p:bg>
+    <p:spTree>
+      <p:nvGrpSpPr>
+        <p:cNvPr id="1" name=""/>
+        <p:cNvGrpSpPr/>
+        <p:nvPr/>
+      </p:nvGrpSpPr>
+      <p:grpSpPr/>
+      <p:sp>
+        <p:nvSpPr>
+          <p:cNvPr id="3" name="内容占位符 2"/>
+          <p:cNvSpPr>
+            <a:spLocks noGrp="1"/>
+          </p:cNvSpPr>
+          <p:nvPr>
+            <p:ph idx="1"/>
+          </p:nvPr>
+        </p:nvSpPr>
+        <p:spPr>
+          <a:xfrm>
+            <a:off x="910590" y="1074420"/>
+            <a:ext cx="10515600" cy="4351338"/>
+          </a:xfrm>
+        </p:spPr>
+        <p:txBody>
+          <a:bodyPr/>
+          <a:p>
+            <a:r>
+              <a:rPr lang="en-US" altLang="zh-CN" sz="4400">
+                <a:solidFill>
+                  <a:schemeClr val="bg2"/>
+                </a:solidFill>
+              </a:rPr>
+              <a:t>What is GraphQL?</a:t>
+            </a:r>
+            <a:endParaRPr lang="en-US" altLang="zh-CN" sz="4400">
+              <a:solidFill>
+                <a:schemeClr val="bg2"/>
+              </a:solidFill>
+            </a:endParaRPr>
+          </a:p>
+          <a:p>
+            <a:r>
+              <a:rPr lang="en-US" altLang="zh-CN" sz="4400">
+                <a:solidFill>
+                  <a:schemeClr val="bg2"/>
+                </a:solidFill>
+              </a:rPr>
+              <a:t>Why GraphQL?</a:t>
+            </a:r>
+            <a:endParaRPr lang="en-US" altLang="zh-CN" sz="4400">
+              <a:solidFill>
+                <a:schemeClr val="bg2"/>
+              </a:solidFill>
+            </a:endParaRPr>
+          </a:p>
+          <a:p>
+            <a:r>
+              <a:rPr lang="en-US" altLang="zh-CN" sz="4400">
+                <a:solidFill>
+                  <a:schemeClr val="bg2"/>
+                </a:solidFill>
+              </a:rPr>
+              <a:t>GraphQL vs REST</a:t>
+            </a:r>
+            <a:endParaRPr lang="en-US" altLang="zh-CN" sz="4400">
+              <a:solidFill>
+                <a:schemeClr val="bg2"/>
+              </a:solidFill>
+            </a:endParaRPr>
+          </a:p>
+          <a:p>
+            <a:r>
+              <a:rPr lang="en-US" altLang="zh-CN" sz="4400">
+                <a:solidFill>
+                  <a:schemeClr val="bg2"/>
+                </a:solidFill>
+              </a:rPr>
+              <a:t>Summary</a:t>
+            </a:r>
+            <a:endParaRPr lang="en-US" altLang="zh-CN" sz="4400">
+              <a:solidFill>
+                <a:schemeClr val="bg2"/>
+              </a:solidFill>
+            </a:endParaRPr>
+          </a:p>
+          <a:p>
+            <a:endParaRPr lang="en-US" altLang="zh-CN" sz="3600"/>
+          </a:p>
+        </p:txBody>
+      </p:sp>
+    </p:spTree>
+  </p:cSld>
+  <p:clrMapOvr>
+    <a:masterClrMapping/>
+  </p:clrMapOvr>
+</p:sld>
+</file>
+
+<file path=ppt/slides/slide3.xml><?xml version="1.0" encoding="utf-8"?>
+<p:sld xmlns:a="http://schemas.openxmlformats.org/drawingml/2006/main" xmlns:r="http://schemas.openxmlformats.org/officeDocument/2006/relationships" xmlns:p="http://schemas.openxmlformats.org/presentationml/2006/main">
+  <p:cSld>
+    <p:bg>
+      <p:bgPr>
         <a:gradFill flip="none" rotWithShape="1">
           <a:gsLst>
             <a:gs pos="0">
@@ -3641,7 +3759,7 @@
 </p:sld>
 </file>
 
-<file path=ppt/slides/slide3.xml><?xml version="1.0" encoding="utf-8"?>
+<file path=ppt/slides/slide4.xml><?xml version="1.0" encoding="utf-8"?>
 <p:sld xmlns:a="http://schemas.openxmlformats.org/drawingml/2006/main" xmlns:r="http://schemas.openxmlformats.org/officeDocument/2006/relationships" xmlns:p="http://schemas.openxmlformats.org/presentationml/2006/main">
   <p:cSld>
     <p:bg>
@@ -4722,7 +4840,7 @@
 </p:sld>
 </file>
 
-<file path=ppt/slides/slide4.xml><?xml version="1.0" encoding="utf-8"?>
+<file path=ppt/slides/slide5.xml><?xml version="1.0" encoding="utf-8"?>
 <p:sld xmlns:a="http://schemas.openxmlformats.org/drawingml/2006/main" xmlns:r="http://schemas.openxmlformats.org/officeDocument/2006/relationships" xmlns:p="http://schemas.openxmlformats.org/presentationml/2006/main">
   <p:cSld>
     <p:bg>
@@ -5187,7 +5305,7 @@
 </p:sld>
 </file>
 
-<file path=ppt/slides/slide5.xml><?xml version="1.0" encoding="utf-8"?>
+<file path=ppt/slides/slide6.xml><?xml version="1.0" encoding="utf-8"?>
 <p:sld xmlns:a="http://schemas.openxmlformats.org/drawingml/2006/main" xmlns:r="http://schemas.openxmlformats.org/officeDocument/2006/relationships" xmlns:p="http://schemas.openxmlformats.org/presentationml/2006/main">
   <p:cSld>
     <p:bg>
@@ -6277,401 +6395,6 @@
 </p:sld>
 </file>
 
-<file path=ppt/slides/slide6.xml><?xml version="1.0" encoding="utf-8"?>
-<p:sld xmlns:a="http://schemas.openxmlformats.org/drawingml/2006/main" xmlns:r="http://schemas.openxmlformats.org/officeDocument/2006/relationships" xmlns:p="http://schemas.openxmlformats.org/presentationml/2006/main">
-  <p:cSld>
-    <p:bg>
-      <p:bgPr>
-        <a:gradFill>
-          <a:gsLst>
-            <a:gs pos="0">
-              <a:srgbClr val="012D86"/>
-            </a:gs>
-            <a:gs pos="100000">
-              <a:srgbClr val="0E2557"/>
-            </a:gs>
-          </a:gsLst>
-          <a:lin ang="5400000" scaled="0"/>
-        </a:gradFill>
-        <a:effectLst/>
-      </p:bgPr>
-    </p:bg>
-    <p:spTree>
-      <p:nvGrpSpPr>
-        <p:cNvPr id="1" name=""/>
-        <p:cNvGrpSpPr/>
-        <p:nvPr/>
-      </p:nvGrpSpPr>
-      <p:grpSpPr/>
-      <p:sp>
-        <p:nvSpPr>
-          <p:cNvPr id="2" name="标题 1"/>
-          <p:cNvSpPr>
-            <a:spLocks noGrp="1"/>
-          </p:cNvSpPr>
-          <p:nvPr>
-            <p:ph type="title"/>
-          </p:nvPr>
-        </p:nvSpPr>
-        <p:spPr>
-          <a:xfrm>
-            <a:off x="838200" y="365125"/>
-            <a:ext cx="10515600" cy="1325563"/>
-          </a:xfrm>
-        </p:spPr>
-        <p:txBody>
-          <a:bodyPr/>
-          <a:p>
-            <a:r>
-              <a:rPr lang="en-US" altLang="zh-CN">
-                <a:solidFill>
-                  <a:schemeClr val="bg1"/>
-                </a:solidFill>
-              </a:rPr>
-              <a:t>Drawback of RESTful API</a:t>
-            </a:r>
-            <a:endParaRPr lang="en-US" altLang="zh-CN">
-              <a:solidFill>
-                <a:schemeClr val="bg1"/>
-              </a:solidFill>
-            </a:endParaRPr>
-          </a:p>
-        </p:txBody>
-      </p:sp>
-      <p:sp>
-        <p:nvSpPr>
-          <p:cNvPr id="3" name="内容占位符 2"/>
-          <p:cNvSpPr>
-            <a:spLocks noGrp="1"/>
-          </p:cNvSpPr>
-          <p:nvPr>
-            <p:ph idx="1"/>
-          </p:nvPr>
-        </p:nvSpPr>
-        <p:spPr>
-          <a:xfrm>
-            <a:off x="838200" y="1691005"/>
-            <a:ext cx="10515600" cy="4351338"/>
-          </a:xfrm>
-        </p:spPr>
-        <p:txBody>
-          <a:bodyPr/>
-          <a:p>
-            <a:r>
-              <a:rPr lang="en-US" altLang="zh-CN">
-                <a:solidFill>
-                  <a:schemeClr val="bg1"/>
-                </a:solidFill>
-              </a:rPr>
-              <a:t>F</a:t>
-            </a:r>
-            <a:r>
-              <a:rPr lang="zh-CN" altLang="en-US">
-                <a:solidFill>
-                  <a:schemeClr val="bg1"/>
-                </a:solidFill>
-              </a:rPr>
-              <a:t>etching data </a:t>
-            </a:r>
-            <a:r>
-              <a:rPr lang="en-US" altLang="zh-CN">
-                <a:solidFill>
-                  <a:schemeClr val="bg1"/>
-                </a:solidFill>
-              </a:rPr>
-              <a:t>from server is costly</a:t>
-            </a:r>
-            <a:endParaRPr lang="en-US" altLang="zh-CN">
-              <a:solidFill>
-                <a:schemeClr val="bg1"/>
-              </a:solidFill>
-            </a:endParaRPr>
-          </a:p>
-          <a:p>
-            <a:r>
-              <a:rPr lang="en-US" altLang="zh-CN">
-                <a:solidFill>
-                  <a:schemeClr val="bg1"/>
-                </a:solidFill>
-              </a:rPr>
-              <a:t>We always fetch more data than we need</a:t>
-            </a:r>
-            <a:endParaRPr lang="en-US" altLang="zh-CN">
-              <a:solidFill>
-                <a:schemeClr val="bg1"/>
-              </a:solidFill>
-            </a:endParaRPr>
-          </a:p>
-          <a:p>
-            <a:r>
-              <a:rPr lang="en-US" altLang="zh-CN">
-                <a:solidFill>
-                  <a:schemeClr val="bg1"/>
-                </a:solidFill>
-              </a:rPr>
-              <a:t>More roundtrip</a:t>
-            </a:r>
-            <a:endParaRPr lang="en-US" altLang="zh-CN">
-              <a:solidFill>
-                <a:schemeClr val="bg1"/>
-              </a:solidFill>
-            </a:endParaRPr>
-          </a:p>
-          <a:p>
-            <a:endParaRPr lang="en-US" altLang="zh-CN">
-              <a:solidFill>
-                <a:schemeClr val="bg1"/>
-              </a:solidFill>
-            </a:endParaRPr>
-          </a:p>
-          <a:p>
-            <a:r>
-              <a:rPr lang="en-US" altLang="zh-CN">
-                <a:solidFill>
-                  <a:schemeClr val="bg1"/>
-                </a:solidFill>
-              </a:rPr>
-              <a:t>It's hard to specify and implement advanced requests with includes, excludes and especially with linked resources.</a:t>
-            </a:r>
-            <a:endParaRPr lang="en-US" altLang="zh-CN">
-              <a:solidFill>
-                <a:schemeClr val="bg1"/>
-              </a:solidFill>
-            </a:endParaRPr>
-          </a:p>
-        </p:txBody>
-      </p:sp>
-      <p:sp>
-        <p:nvSpPr>
-          <p:cNvPr id="5" name="文本框 4"/>
-          <p:cNvSpPr txBox="1"/>
-          <p:nvPr/>
-        </p:nvSpPr>
-        <p:spPr>
-          <a:xfrm>
-            <a:off x="1111250" y="5087620"/>
-            <a:ext cx="2727325" cy="642620"/>
-          </a:xfrm>
-          <a:prstGeom prst="rect">
-            <a:avLst/>
-          </a:prstGeom>
-          <a:noFill/>
-        </p:spPr>
-        <p:txBody>
-          <a:bodyPr wrap="square" rtlCol="0">
-            <a:spAutoFit/>
-          </a:bodyPr>
-          <a:p>
-            <a:endParaRPr lang="zh-CN" altLang="en-US">
-              <a:solidFill>
-                <a:schemeClr val="bg1"/>
-              </a:solidFill>
-            </a:endParaRPr>
-          </a:p>
-          <a:p>
-            <a:r>
-              <a:rPr lang="zh-CN" altLang="en-US">
-                <a:solidFill>
-                  <a:schemeClr val="bg1"/>
-                </a:solidFill>
-                <a:sym typeface="+mn-ea"/>
-              </a:rPr>
-              <a:t>GET - /person/{id}</a:t>
-            </a:r>
-            <a:endParaRPr lang="zh-CN" altLang="en-US">
-              <a:solidFill>
-                <a:schemeClr val="bg1"/>
-              </a:solidFill>
-              <a:sym typeface="+mn-ea"/>
-            </a:endParaRPr>
-          </a:p>
-        </p:txBody>
-      </p:sp>
-      <p:sp>
-        <p:nvSpPr>
-          <p:cNvPr id="12" name="文本框 11"/>
-          <p:cNvSpPr txBox="1"/>
-          <p:nvPr/>
-        </p:nvSpPr>
-        <p:spPr>
-          <a:xfrm>
-            <a:off x="5029835" y="4677410"/>
-            <a:ext cx="4940935" cy="2014220"/>
-          </a:xfrm>
-          <a:prstGeom prst="rect">
-            <a:avLst/>
-          </a:prstGeom>
-          <a:noFill/>
-        </p:spPr>
-        <p:txBody>
-          <a:bodyPr wrap="square" rtlCol="0">
-            <a:spAutoFit/>
-          </a:bodyPr>
-          <a:p>
-            <a:r>
-              <a:rPr lang="zh-CN" altLang="en-US">
-                <a:solidFill>
-                  <a:schemeClr val="bg1"/>
-                </a:solidFill>
-              </a:rPr>
-              <a:t>{</a:t>
-            </a:r>
-            <a:endParaRPr lang="zh-CN" altLang="en-US">
-              <a:solidFill>
-                <a:schemeClr val="bg1"/>
-              </a:solidFill>
-            </a:endParaRPr>
-          </a:p>
-          <a:p>
-            <a:r>
-              <a:rPr lang="zh-CN" altLang="en-US">
-                <a:solidFill>
-                  <a:schemeClr val="bg1"/>
-                </a:solidFill>
-              </a:rPr>
-              <a:t>  "name": "Darth Vader",</a:t>
-            </a:r>
-            <a:endParaRPr lang="zh-CN" altLang="en-US">
-              <a:solidFill>
-                <a:schemeClr val="bg1"/>
-              </a:solidFill>
-            </a:endParaRPr>
-          </a:p>
-          <a:p>
-            <a:r>
-              <a:rPr lang="zh-CN" altLang="en-US">
-                <a:solidFill>
-                  <a:schemeClr val="bg1"/>
-                </a:solidFill>
-              </a:rPr>
-              <a:t>  "birthYear": "41.9BBY",</a:t>
-            </a:r>
-            <a:endParaRPr lang="zh-CN" altLang="en-US">
-              <a:solidFill>
-                <a:schemeClr val="bg1"/>
-              </a:solidFill>
-            </a:endParaRPr>
-          </a:p>
-          <a:p>
-            <a:r>
-              <a:rPr lang="zh-CN" altLang="en-US">
-                <a:solidFill>
-                  <a:schemeClr val="bg1"/>
-                </a:solidFill>
-              </a:rPr>
-              <a:t>  "planetId": 1</a:t>
-            </a:r>
-            <a:endParaRPr lang="zh-CN" altLang="en-US">
-              <a:solidFill>
-                <a:schemeClr val="bg1"/>
-              </a:solidFill>
-            </a:endParaRPr>
-          </a:p>
-          <a:p>
-            <a:r>
-              <a:rPr lang="zh-CN" altLang="en-US">
-                <a:solidFill>
-                  <a:schemeClr val="bg1"/>
-                </a:solidFill>
-              </a:rPr>
-              <a:t>  "filmIds": [1, 2, 3, 6],</a:t>
-            </a:r>
-            <a:endParaRPr lang="zh-CN" altLang="en-US">
-              <a:solidFill>
-                <a:schemeClr val="bg1"/>
-              </a:solidFill>
-            </a:endParaRPr>
-          </a:p>
-          <a:p>
-            <a:r>
-              <a:rPr lang="zh-CN" altLang="en-US">
-                <a:solidFill>
-                  <a:schemeClr val="bg1"/>
-                </a:solidFill>
-              </a:rPr>
-              <a:t>  *** other information we do not need ***</a:t>
-            </a:r>
-            <a:endParaRPr lang="zh-CN" altLang="en-US">
-              <a:solidFill>
-                <a:schemeClr val="bg1"/>
-              </a:solidFill>
-            </a:endParaRPr>
-          </a:p>
-          <a:p>
-            <a:r>
-              <a:rPr lang="zh-CN" altLang="en-US">
-                <a:solidFill>
-                  <a:schemeClr val="bg1"/>
-                </a:solidFill>
-              </a:rPr>
-              <a:t>}</a:t>
-            </a:r>
-            <a:endParaRPr lang="zh-CN" altLang="en-US">
-              <a:solidFill>
-                <a:schemeClr val="bg1"/>
-              </a:solidFill>
-            </a:endParaRPr>
-          </a:p>
-        </p:txBody>
-      </p:sp>
-      <p:sp>
-        <p:nvSpPr>
-          <p:cNvPr id="4" name="圆角矩形 3"/>
-          <p:cNvSpPr/>
-          <p:nvPr/>
-        </p:nvSpPr>
-        <p:spPr>
-          <a:xfrm>
-            <a:off x="8229600" y="1548130"/>
-            <a:ext cx="2120900" cy="895350"/>
-          </a:xfrm>
-          <a:prstGeom prst="roundRect">
-            <a:avLst/>
-          </a:prstGeom>
-        </p:spPr>
-        <p:style>
-          <a:lnRef idx="2">
-            <a:schemeClr val="accent1">
-              <a:shade val="50000"/>
-            </a:schemeClr>
-          </a:lnRef>
-          <a:fillRef idx="1">
-            <a:schemeClr val="accent1"/>
-          </a:fillRef>
-          <a:effectRef idx="0">
-            <a:schemeClr val="accent1"/>
-          </a:effectRef>
-          <a:fontRef idx="minor">
-            <a:schemeClr val="lt1"/>
-          </a:fontRef>
-        </p:style>
-        <p:txBody>
-          <a:bodyPr rtlCol="0" anchor="ctr"/>
-          <a:p>
-            <a:pPr algn="ctr"/>
-            <a:r>
-              <a:rPr lang="en-US" altLang="zh-CN" sz="2400"/>
-              <a:t>HIGH Lantency!</a:t>
-            </a:r>
-            <a:endParaRPr lang="en-US" altLang="zh-CN" sz="2400"/>
-          </a:p>
-        </p:txBody>
-      </p:sp>
-    </p:spTree>
-  </p:cSld>
-  <p:clrMapOvr>
-    <a:masterClrMapping/>
-  </p:clrMapOvr>
-  <p:timing>
-    <p:tnLst>
-      <p:par>
-        <p:cTn id="1" dur="indefinite" restart="never" nodeType="tmRoot"/>
-      </p:par>
-    </p:tnLst>
-  </p:timing>
-</p:sld>
-</file>
-
 <file path=ppt/slides/slide7.xml><?xml version="1.0" encoding="utf-8"?>
 <p:sld xmlns:a="http://schemas.openxmlformats.org/drawingml/2006/main" xmlns:r="http://schemas.openxmlformats.org/officeDocument/2006/relationships" xmlns:p="http://schemas.openxmlformats.org/presentationml/2006/main">
   <p:cSld>
@@ -6708,6 +6431,401 @@
             <p:ph type="title"/>
           </p:nvPr>
         </p:nvSpPr>
+        <p:spPr>
+          <a:xfrm>
+            <a:off x="838200" y="365125"/>
+            <a:ext cx="10515600" cy="1325563"/>
+          </a:xfrm>
+        </p:spPr>
+        <p:txBody>
+          <a:bodyPr/>
+          <a:p>
+            <a:r>
+              <a:rPr lang="en-US" altLang="zh-CN">
+                <a:solidFill>
+                  <a:schemeClr val="bg1"/>
+                </a:solidFill>
+              </a:rPr>
+              <a:t>Drawback of RESTful API</a:t>
+            </a:r>
+            <a:endParaRPr lang="en-US" altLang="zh-CN">
+              <a:solidFill>
+                <a:schemeClr val="bg1"/>
+              </a:solidFill>
+            </a:endParaRPr>
+          </a:p>
+        </p:txBody>
+      </p:sp>
+      <p:sp>
+        <p:nvSpPr>
+          <p:cNvPr id="3" name="内容占位符 2"/>
+          <p:cNvSpPr>
+            <a:spLocks noGrp="1"/>
+          </p:cNvSpPr>
+          <p:nvPr>
+            <p:ph idx="1"/>
+          </p:nvPr>
+        </p:nvSpPr>
+        <p:spPr>
+          <a:xfrm>
+            <a:off x="838200" y="1691005"/>
+            <a:ext cx="10515600" cy="4351338"/>
+          </a:xfrm>
+        </p:spPr>
+        <p:txBody>
+          <a:bodyPr/>
+          <a:p>
+            <a:r>
+              <a:rPr lang="en-US" altLang="zh-CN">
+                <a:solidFill>
+                  <a:schemeClr val="bg1"/>
+                </a:solidFill>
+              </a:rPr>
+              <a:t>F</a:t>
+            </a:r>
+            <a:r>
+              <a:rPr lang="zh-CN" altLang="en-US">
+                <a:solidFill>
+                  <a:schemeClr val="bg1"/>
+                </a:solidFill>
+              </a:rPr>
+              <a:t>etching data </a:t>
+            </a:r>
+            <a:r>
+              <a:rPr lang="en-US" altLang="zh-CN">
+                <a:solidFill>
+                  <a:schemeClr val="bg1"/>
+                </a:solidFill>
+              </a:rPr>
+              <a:t>from server is costly</a:t>
+            </a:r>
+            <a:endParaRPr lang="en-US" altLang="zh-CN">
+              <a:solidFill>
+                <a:schemeClr val="bg1"/>
+              </a:solidFill>
+            </a:endParaRPr>
+          </a:p>
+          <a:p>
+            <a:r>
+              <a:rPr lang="en-US" altLang="zh-CN">
+                <a:solidFill>
+                  <a:schemeClr val="bg1"/>
+                </a:solidFill>
+              </a:rPr>
+              <a:t>We always fetch more data than we need</a:t>
+            </a:r>
+            <a:endParaRPr lang="en-US" altLang="zh-CN">
+              <a:solidFill>
+                <a:schemeClr val="bg1"/>
+              </a:solidFill>
+            </a:endParaRPr>
+          </a:p>
+          <a:p>
+            <a:r>
+              <a:rPr lang="en-US" altLang="zh-CN">
+                <a:solidFill>
+                  <a:schemeClr val="bg1"/>
+                </a:solidFill>
+              </a:rPr>
+              <a:t>More roundtrip</a:t>
+            </a:r>
+            <a:endParaRPr lang="en-US" altLang="zh-CN">
+              <a:solidFill>
+                <a:schemeClr val="bg1"/>
+              </a:solidFill>
+            </a:endParaRPr>
+          </a:p>
+          <a:p>
+            <a:endParaRPr lang="en-US" altLang="zh-CN">
+              <a:solidFill>
+                <a:schemeClr val="bg1"/>
+              </a:solidFill>
+            </a:endParaRPr>
+          </a:p>
+          <a:p>
+            <a:r>
+              <a:rPr lang="en-US" altLang="zh-CN">
+                <a:solidFill>
+                  <a:schemeClr val="bg1"/>
+                </a:solidFill>
+              </a:rPr>
+              <a:t>It's hard to specify and implement advanced requests with includes, excludes and especially with linked resources.</a:t>
+            </a:r>
+            <a:endParaRPr lang="en-US" altLang="zh-CN">
+              <a:solidFill>
+                <a:schemeClr val="bg1"/>
+              </a:solidFill>
+            </a:endParaRPr>
+          </a:p>
+        </p:txBody>
+      </p:sp>
+      <p:sp>
+        <p:nvSpPr>
+          <p:cNvPr id="5" name="文本框 4"/>
+          <p:cNvSpPr txBox="1"/>
+          <p:nvPr/>
+        </p:nvSpPr>
+        <p:spPr>
+          <a:xfrm>
+            <a:off x="1111250" y="5087620"/>
+            <a:ext cx="2727325" cy="642620"/>
+          </a:xfrm>
+          <a:prstGeom prst="rect">
+            <a:avLst/>
+          </a:prstGeom>
+          <a:noFill/>
+        </p:spPr>
+        <p:txBody>
+          <a:bodyPr wrap="square" rtlCol="0">
+            <a:spAutoFit/>
+          </a:bodyPr>
+          <a:p>
+            <a:endParaRPr lang="zh-CN" altLang="en-US">
+              <a:solidFill>
+                <a:schemeClr val="bg1"/>
+              </a:solidFill>
+            </a:endParaRPr>
+          </a:p>
+          <a:p>
+            <a:r>
+              <a:rPr lang="zh-CN" altLang="en-US">
+                <a:solidFill>
+                  <a:schemeClr val="bg1"/>
+                </a:solidFill>
+                <a:sym typeface="+mn-ea"/>
+              </a:rPr>
+              <a:t>GET - /person/{id}</a:t>
+            </a:r>
+            <a:endParaRPr lang="zh-CN" altLang="en-US">
+              <a:solidFill>
+                <a:schemeClr val="bg1"/>
+              </a:solidFill>
+              <a:sym typeface="+mn-ea"/>
+            </a:endParaRPr>
+          </a:p>
+        </p:txBody>
+      </p:sp>
+      <p:sp>
+        <p:nvSpPr>
+          <p:cNvPr id="12" name="文本框 11"/>
+          <p:cNvSpPr txBox="1"/>
+          <p:nvPr/>
+        </p:nvSpPr>
+        <p:spPr>
+          <a:xfrm>
+            <a:off x="5029835" y="4677410"/>
+            <a:ext cx="4940935" cy="2014220"/>
+          </a:xfrm>
+          <a:prstGeom prst="rect">
+            <a:avLst/>
+          </a:prstGeom>
+          <a:noFill/>
+        </p:spPr>
+        <p:txBody>
+          <a:bodyPr wrap="square" rtlCol="0">
+            <a:spAutoFit/>
+          </a:bodyPr>
+          <a:p>
+            <a:r>
+              <a:rPr lang="zh-CN" altLang="en-US">
+                <a:solidFill>
+                  <a:schemeClr val="bg1"/>
+                </a:solidFill>
+              </a:rPr>
+              <a:t>{</a:t>
+            </a:r>
+            <a:endParaRPr lang="zh-CN" altLang="en-US">
+              <a:solidFill>
+                <a:schemeClr val="bg1"/>
+              </a:solidFill>
+            </a:endParaRPr>
+          </a:p>
+          <a:p>
+            <a:r>
+              <a:rPr lang="zh-CN" altLang="en-US">
+                <a:solidFill>
+                  <a:schemeClr val="bg1"/>
+                </a:solidFill>
+              </a:rPr>
+              <a:t>  "name": "Darth Vader",</a:t>
+            </a:r>
+            <a:endParaRPr lang="zh-CN" altLang="en-US">
+              <a:solidFill>
+                <a:schemeClr val="bg1"/>
+              </a:solidFill>
+            </a:endParaRPr>
+          </a:p>
+          <a:p>
+            <a:r>
+              <a:rPr lang="zh-CN" altLang="en-US">
+                <a:solidFill>
+                  <a:schemeClr val="bg1"/>
+                </a:solidFill>
+              </a:rPr>
+              <a:t>  "birthYear": "41.9BBY",</a:t>
+            </a:r>
+            <a:endParaRPr lang="zh-CN" altLang="en-US">
+              <a:solidFill>
+                <a:schemeClr val="bg1"/>
+              </a:solidFill>
+            </a:endParaRPr>
+          </a:p>
+          <a:p>
+            <a:r>
+              <a:rPr lang="zh-CN" altLang="en-US">
+                <a:solidFill>
+                  <a:schemeClr val="bg1"/>
+                </a:solidFill>
+              </a:rPr>
+              <a:t>  "planetId": 1</a:t>
+            </a:r>
+            <a:endParaRPr lang="zh-CN" altLang="en-US">
+              <a:solidFill>
+                <a:schemeClr val="bg1"/>
+              </a:solidFill>
+            </a:endParaRPr>
+          </a:p>
+          <a:p>
+            <a:r>
+              <a:rPr lang="zh-CN" altLang="en-US">
+                <a:solidFill>
+                  <a:schemeClr val="bg1"/>
+                </a:solidFill>
+              </a:rPr>
+              <a:t>  "filmIds": [1, 2, 3, 6],</a:t>
+            </a:r>
+            <a:endParaRPr lang="zh-CN" altLang="en-US">
+              <a:solidFill>
+                <a:schemeClr val="bg1"/>
+              </a:solidFill>
+            </a:endParaRPr>
+          </a:p>
+          <a:p>
+            <a:r>
+              <a:rPr lang="zh-CN" altLang="en-US">
+                <a:solidFill>
+                  <a:schemeClr val="bg1"/>
+                </a:solidFill>
+              </a:rPr>
+              <a:t>  *** other information we do not need ***</a:t>
+            </a:r>
+            <a:endParaRPr lang="zh-CN" altLang="en-US">
+              <a:solidFill>
+                <a:schemeClr val="bg1"/>
+              </a:solidFill>
+            </a:endParaRPr>
+          </a:p>
+          <a:p>
+            <a:r>
+              <a:rPr lang="zh-CN" altLang="en-US">
+                <a:solidFill>
+                  <a:schemeClr val="bg1"/>
+                </a:solidFill>
+              </a:rPr>
+              <a:t>}</a:t>
+            </a:r>
+            <a:endParaRPr lang="zh-CN" altLang="en-US">
+              <a:solidFill>
+                <a:schemeClr val="bg1"/>
+              </a:solidFill>
+            </a:endParaRPr>
+          </a:p>
+        </p:txBody>
+      </p:sp>
+      <p:sp>
+        <p:nvSpPr>
+          <p:cNvPr id="4" name="圆角矩形 3"/>
+          <p:cNvSpPr/>
+          <p:nvPr/>
+        </p:nvSpPr>
+        <p:spPr>
+          <a:xfrm>
+            <a:off x="8229600" y="1548130"/>
+            <a:ext cx="2120900" cy="895350"/>
+          </a:xfrm>
+          <a:prstGeom prst="roundRect">
+            <a:avLst/>
+          </a:prstGeom>
+        </p:spPr>
+        <p:style>
+          <a:lnRef idx="2">
+            <a:schemeClr val="accent1">
+              <a:shade val="50000"/>
+            </a:schemeClr>
+          </a:lnRef>
+          <a:fillRef idx="1">
+            <a:schemeClr val="accent1"/>
+          </a:fillRef>
+          <a:effectRef idx="0">
+            <a:schemeClr val="accent1"/>
+          </a:effectRef>
+          <a:fontRef idx="minor">
+            <a:schemeClr val="lt1"/>
+          </a:fontRef>
+        </p:style>
+        <p:txBody>
+          <a:bodyPr rtlCol="0" anchor="ctr"/>
+          <a:p>
+            <a:pPr algn="ctr"/>
+            <a:r>
+              <a:rPr lang="en-US" altLang="zh-CN" sz="2400"/>
+              <a:t>HIGH Lantency!</a:t>
+            </a:r>
+            <a:endParaRPr lang="en-US" altLang="zh-CN" sz="2400"/>
+          </a:p>
+        </p:txBody>
+      </p:sp>
+    </p:spTree>
+  </p:cSld>
+  <p:clrMapOvr>
+    <a:masterClrMapping/>
+  </p:clrMapOvr>
+  <p:timing>
+    <p:tnLst>
+      <p:par>
+        <p:cTn id="1" dur="indefinite" restart="never" nodeType="tmRoot"/>
+      </p:par>
+    </p:tnLst>
+  </p:timing>
+</p:sld>
+</file>
+
+<file path=ppt/slides/slide8.xml><?xml version="1.0" encoding="utf-8"?>
+<p:sld xmlns:a="http://schemas.openxmlformats.org/drawingml/2006/main" xmlns:r="http://schemas.openxmlformats.org/officeDocument/2006/relationships" xmlns:p="http://schemas.openxmlformats.org/presentationml/2006/main">
+  <p:cSld>
+    <p:bg>
+      <p:bgPr>
+        <a:gradFill>
+          <a:gsLst>
+            <a:gs pos="0">
+              <a:srgbClr val="012D86"/>
+            </a:gs>
+            <a:gs pos="100000">
+              <a:srgbClr val="0E2557"/>
+            </a:gs>
+          </a:gsLst>
+          <a:lin ang="5400000" scaled="0"/>
+        </a:gradFill>
+        <a:effectLst/>
+      </p:bgPr>
+    </p:bg>
+    <p:spTree>
+      <p:nvGrpSpPr>
+        <p:cNvPr id="1" name=""/>
+        <p:cNvGrpSpPr/>
+        <p:nvPr/>
+      </p:nvGrpSpPr>
+      <p:grpSpPr/>
+      <p:sp>
+        <p:nvSpPr>
+          <p:cNvPr id="2" name="标题 1"/>
+          <p:cNvSpPr>
+            <a:spLocks noGrp="1"/>
+          </p:cNvSpPr>
+          <p:nvPr>
+            <p:ph type="title"/>
+          </p:nvPr>
+        </p:nvSpPr>
         <p:spPr/>
         <p:txBody>
           <a:bodyPr/>
@@ -6937,7 +7055,7 @@
 </p:sld>
 </file>
 
-<file path=ppt/slides/slide8.xml><?xml version="1.0" encoding="utf-8"?>
+<file path=ppt/slides/slide9.xml><?xml version="1.0" encoding="utf-8"?>
 <p:sld xmlns:a="http://schemas.openxmlformats.org/drawingml/2006/main" xmlns:r="http://schemas.openxmlformats.org/officeDocument/2006/relationships" xmlns:p="http://schemas.openxmlformats.org/presentationml/2006/main">
   <p:cSld>
     <p:bg>
